--- a/COMP280/02/2019-20-COMP280-02-workshop.pptx
+++ b/COMP280/02/2019-20-COMP280-02-workshop.pptx
@@ -5,21 +5,19 @@
     <p:sldMasterId id="2147483648" r:id="rId1"/>
   </p:sldMasterIdLst>
   <p:notesMasterIdLst>
-    <p:notesMasterId r:id="rId11"/>
+    <p:notesMasterId r:id="rId9"/>
   </p:notesMasterIdLst>
   <p:handoutMasterIdLst>
-    <p:handoutMasterId r:id="rId12"/>
+    <p:handoutMasterId r:id="rId10"/>
   </p:handoutMasterIdLst>
   <p:sldIdLst>
     <p:sldId id="257" r:id="rId2"/>
     <p:sldId id="409" r:id="rId3"/>
-    <p:sldId id="411" r:id="rId4"/>
-    <p:sldId id="412" r:id="rId5"/>
-    <p:sldId id="413" r:id="rId6"/>
-    <p:sldId id="414" r:id="rId7"/>
-    <p:sldId id="415" r:id="rId8"/>
-    <p:sldId id="416" r:id="rId9"/>
-    <p:sldId id="410" r:id="rId10"/>
+    <p:sldId id="413" r:id="rId4"/>
+    <p:sldId id="414" r:id="rId5"/>
+    <p:sldId id="415" r:id="rId6"/>
+    <p:sldId id="416" r:id="rId7"/>
+    <p:sldId id="410" r:id="rId8"/>
   </p:sldIdLst>
   <p:sldSz cx="9144000" cy="6858000" type="screen4x3"/>
   <p:notesSz cx="7315200" cy="9601200"/>
@@ -5037,206 +5035,6 @@
           <a:p>
             <a:r>
               <a:rPr lang="en-GB" dirty="0"/>
-              <a:t>Workshop Session</a:t>
-            </a:r>
-          </a:p>
-          <a:p>
-            <a:pPr lvl="1"/>
-            <a:r>
-              <a:rPr lang="en-GB" b="1" dirty="0"/>
-              <a:t>Review </a:t>
-            </a:r>
-            <a:r>
-              <a:rPr lang="en-GB" dirty="0"/>
-              <a:t>the assignment</a:t>
-            </a:r>
-          </a:p>
-          <a:p>
-            <a:pPr lvl="1"/>
-            <a:r>
-              <a:rPr lang="en-GB" b="1" dirty="0"/>
-              <a:t>Develop</a:t>
-            </a:r>
-            <a:r>
-              <a:rPr lang="en-GB" dirty="0"/>
-              <a:t> your analytical skills</a:t>
-            </a:r>
-          </a:p>
-          <a:p>
-            <a:pPr lvl="1"/>
-            <a:r>
-              <a:rPr lang="en-GB" b="1" dirty="0"/>
-              <a:t>Present</a:t>
-            </a:r>
-            <a:r>
-              <a:rPr lang="en-GB" dirty="0"/>
-              <a:t> findings</a:t>
-            </a:r>
-          </a:p>
-          <a:p>
-            <a:pPr lvl="1"/>
-            <a:endParaRPr lang="en-GB" dirty="0"/>
-          </a:p>
-          <a:p>
-            <a:pPr lvl="1"/>
-            <a:endParaRPr lang="en-GB" dirty="0"/>
-          </a:p>
-        </p:txBody>
-      </p:sp>
-    </p:spTree>
-    <p:extLst>
-      <p:ext uri="{BB962C8B-B14F-4D97-AF65-F5344CB8AC3E}">
-        <p14:creationId xmlns:p14="http://schemas.microsoft.com/office/powerpoint/2010/main" val="3808036803"/>
-      </p:ext>
-    </p:extLst>
-  </p:cSld>
-  <p:clrMapOvr>
-    <a:masterClrMapping/>
-  </p:clrMapOvr>
-</p:sld>
-</file>
-
-<file path=ppt/slides/slide4.xml><?xml version="1.0" encoding="utf-8"?>
-<p:sld xmlns:a="http://schemas.openxmlformats.org/drawingml/2006/main" xmlns:r="http://schemas.openxmlformats.org/officeDocument/2006/relationships" xmlns:p="http://schemas.openxmlformats.org/presentationml/2006/main">
-  <p:cSld>
-    <p:spTree>
-      <p:nvGrpSpPr>
-        <p:cNvPr id="1" name=""/>
-        <p:cNvGrpSpPr/>
-        <p:nvPr/>
-      </p:nvGrpSpPr>
-      <p:grpSpPr>
-        <a:xfrm>
-          <a:off x="0" y="0"/>
-          <a:ext cx="0" cy="0"/>
-          <a:chOff x="0" y="0"/>
-          <a:chExt cx="0" cy="0"/>
-        </a:xfrm>
-      </p:grpSpPr>
-      <p:sp>
-        <p:nvSpPr>
-          <p:cNvPr id="3" name="Content Placeholder 2"/>
-          <p:cNvSpPr>
-            <a:spLocks noGrp="1"/>
-          </p:cNvSpPr>
-          <p:nvPr>
-            <p:ph idx="1"/>
-          </p:nvPr>
-        </p:nvSpPr>
-        <p:spPr>
-          <a:xfrm>
-            <a:off x="457200" y="548680"/>
-            <a:ext cx="8229600" cy="6192688"/>
-          </a:xfrm>
-        </p:spPr>
-        <p:txBody>
-          <a:bodyPr>
-            <a:normAutofit/>
-          </a:bodyPr>
-          <a:lstStyle/>
-          <a:p>
-            <a:r>
-              <a:rPr lang="en-GB" dirty="0"/>
-              <a:t>Workshop Session</a:t>
-            </a:r>
-          </a:p>
-          <a:p>
-            <a:pPr lvl="1"/>
-            <a:r>
-              <a:rPr lang="en-GB" b="1" dirty="0"/>
-              <a:t>Review </a:t>
-            </a:r>
-            <a:r>
-              <a:rPr lang="en-GB" dirty="0"/>
-              <a:t>the assignment</a:t>
-            </a:r>
-          </a:p>
-          <a:p>
-            <a:pPr lvl="1"/>
-            <a:r>
-              <a:rPr lang="en-GB" b="1" dirty="0"/>
-              <a:t>Develop</a:t>
-            </a:r>
-            <a:r>
-              <a:rPr lang="en-GB" dirty="0"/>
-              <a:t> your analytical skills</a:t>
-            </a:r>
-          </a:p>
-          <a:p>
-            <a:pPr lvl="1"/>
-            <a:r>
-              <a:rPr lang="en-GB" b="1" dirty="0"/>
-              <a:t>Present</a:t>
-            </a:r>
-            <a:r>
-              <a:rPr lang="en-GB" dirty="0"/>
-              <a:t> findings</a:t>
-            </a:r>
-          </a:p>
-          <a:p>
-            <a:pPr lvl="1"/>
-            <a:endParaRPr lang="en-GB" dirty="0"/>
-          </a:p>
-          <a:p>
-            <a:pPr lvl="1"/>
-            <a:endParaRPr lang="en-GB" dirty="0"/>
-          </a:p>
-        </p:txBody>
-      </p:sp>
-    </p:spTree>
-    <p:extLst>
-      <p:ext uri="{BB962C8B-B14F-4D97-AF65-F5344CB8AC3E}">
-        <p14:creationId xmlns:p14="http://schemas.microsoft.com/office/powerpoint/2010/main" val="3087386045"/>
-      </p:ext>
-    </p:extLst>
-  </p:cSld>
-  <p:clrMapOvr>
-    <a:masterClrMapping/>
-  </p:clrMapOvr>
-</p:sld>
-</file>
-
-<file path=ppt/slides/slide5.xml><?xml version="1.0" encoding="utf-8"?>
-<p:sld xmlns:a="http://schemas.openxmlformats.org/drawingml/2006/main" xmlns:r="http://schemas.openxmlformats.org/officeDocument/2006/relationships" xmlns:p="http://schemas.openxmlformats.org/presentationml/2006/main">
-  <p:cSld>
-    <p:spTree>
-      <p:nvGrpSpPr>
-        <p:cNvPr id="1" name=""/>
-        <p:cNvGrpSpPr/>
-        <p:nvPr/>
-      </p:nvGrpSpPr>
-      <p:grpSpPr>
-        <a:xfrm>
-          <a:off x="0" y="0"/>
-          <a:ext cx="0" cy="0"/>
-          <a:chOff x="0" y="0"/>
-          <a:chExt cx="0" cy="0"/>
-        </a:xfrm>
-      </p:grpSpPr>
-      <p:sp>
-        <p:nvSpPr>
-          <p:cNvPr id="3" name="Content Placeholder 2"/>
-          <p:cNvSpPr>
-            <a:spLocks noGrp="1"/>
-          </p:cNvSpPr>
-          <p:nvPr>
-            <p:ph idx="1"/>
-          </p:nvPr>
-        </p:nvSpPr>
-        <p:spPr>
-          <a:xfrm>
-            <a:off x="457200" y="548680"/>
-            <a:ext cx="8229600" cy="6192688"/>
-          </a:xfrm>
-        </p:spPr>
-        <p:txBody>
-          <a:bodyPr>
-            <a:normAutofit/>
-          </a:bodyPr>
-          <a:lstStyle/>
-          <a:p>
-            <a:r>
-              <a:rPr lang="en-GB" dirty="0"/>
               <a:t>Review the assignment</a:t>
             </a:r>
           </a:p>
@@ -5303,6 +5101,279 @@
 </p:sld>
 </file>
 
+<file path=ppt/slides/slide4.xml><?xml version="1.0" encoding="utf-8"?>
+<p:sld xmlns:a="http://schemas.openxmlformats.org/drawingml/2006/main" xmlns:r="http://schemas.openxmlformats.org/officeDocument/2006/relationships" xmlns:p="http://schemas.openxmlformats.org/presentationml/2006/main">
+  <p:cSld>
+    <p:spTree>
+      <p:nvGrpSpPr>
+        <p:cNvPr id="1" name=""/>
+        <p:cNvGrpSpPr/>
+        <p:nvPr/>
+      </p:nvGrpSpPr>
+      <p:grpSpPr>
+        <a:xfrm>
+          <a:off x="0" y="0"/>
+          <a:ext cx="0" cy="0"/>
+          <a:chOff x="0" y="0"/>
+          <a:chExt cx="0" cy="0"/>
+        </a:xfrm>
+      </p:grpSpPr>
+      <p:sp>
+        <p:nvSpPr>
+          <p:cNvPr id="3" name="Content Placeholder 2"/>
+          <p:cNvSpPr>
+            <a:spLocks noGrp="1"/>
+          </p:cNvSpPr>
+          <p:nvPr>
+            <p:ph idx="1"/>
+          </p:nvPr>
+        </p:nvSpPr>
+        <p:spPr>
+          <a:xfrm>
+            <a:off x="457200" y="548680"/>
+            <a:ext cx="8229600" cy="6192688"/>
+          </a:xfrm>
+        </p:spPr>
+        <p:txBody>
+          <a:bodyPr>
+            <a:normAutofit/>
+          </a:bodyPr>
+          <a:lstStyle/>
+          <a:p>
+            <a:r>
+              <a:rPr lang="en-GB" dirty="0"/>
+              <a:t>Review the assignment</a:t>
+            </a:r>
+          </a:p>
+          <a:p>
+            <a:pPr lvl="1"/>
+            <a:r>
+              <a:rPr lang="en-GB" sz="1800" dirty="0">
+                <a:hlinkClick r:id="rId2"/>
+              </a:rPr>
+              <a:t>https://github.com/Falmouth-Games-Academy/bsc-assignment-briefs/raw/2019-20/comp280/2/2019-20-comp280-assignment-2-brief.pdf</a:t>
+            </a:r>
+            <a:endParaRPr lang="en-GB" sz="1800" dirty="0"/>
+          </a:p>
+          <a:p>
+            <a:pPr lvl="1"/>
+            <a:endParaRPr lang="en-GB" sz="1800" dirty="0"/>
+          </a:p>
+          <a:p>
+            <a:pPr lvl="1"/>
+            <a:r>
+              <a:rPr lang="en-GB" sz="1800" dirty="0"/>
+              <a:t>Create a repository of cybersecurity knowledge</a:t>
+            </a:r>
+          </a:p>
+          <a:p>
+            <a:pPr lvl="2"/>
+            <a:r>
+              <a:rPr lang="en-GB" sz="1400" dirty="0"/>
+              <a:t>This is workshop 3</a:t>
+            </a:r>
+          </a:p>
+          <a:p>
+            <a:pPr lvl="2"/>
+            <a:r>
+              <a:rPr lang="en-GB" sz="1400" dirty="0">
+                <a:hlinkClick r:id="rId3"/>
+              </a:rPr>
+              <a:t>https://github.com/Falmouth-Games-Academy/comp280-cyberworkshop</a:t>
+            </a:r>
+            <a:r>
+              <a:rPr lang="en-GB" sz="1400">
+                <a:hlinkClick r:id="rId3"/>
+              </a:rPr>
+              <a:t>.git</a:t>
+            </a:r>
+            <a:endParaRPr lang="en-GB" sz="1400"/>
+          </a:p>
+          <a:p>
+            <a:pPr lvl="1"/>
+            <a:endParaRPr lang="en-GB" sz="1800" dirty="0"/>
+          </a:p>
+          <a:p>
+            <a:pPr lvl="1"/>
+            <a:r>
+              <a:rPr lang="en-GB" sz="1800" dirty="0"/>
+              <a:t>Write a report on XYZ Online Games</a:t>
+            </a:r>
+          </a:p>
+          <a:p>
+            <a:pPr lvl="2"/>
+            <a:r>
+              <a:rPr lang="en-GB" sz="1400" dirty="0"/>
+              <a:t>Potential Cybersecurity issues for the firm</a:t>
+            </a:r>
+          </a:p>
+          <a:p>
+            <a:pPr lvl="2"/>
+            <a:r>
+              <a:rPr lang="en-GB" sz="1400" dirty="0"/>
+              <a:t>How Controls and Control Strategies can mitigate cyber issues</a:t>
+            </a:r>
+          </a:p>
+          <a:p>
+            <a:pPr lvl="2"/>
+            <a:r>
+              <a:rPr lang="en-GB" sz="1400" dirty="0"/>
+              <a:t>Outline potential major GDPR issues for the organisation with regards to its current data management and security processes</a:t>
+            </a:r>
+          </a:p>
+          <a:p>
+            <a:pPr lvl="2"/>
+            <a:r>
+              <a:rPr lang="en-GB" sz="1400" dirty="0"/>
+              <a:t>Compare and contrast traditional encryption with modern AES cryptography</a:t>
+            </a:r>
+          </a:p>
+          <a:p>
+            <a:pPr lvl="2"/>
+            <a:endParaRPr lang="en-GB" sz="1400" dirty="0"/>
+          </a:p>
+          <a:p>
+            <a:pPr lvl="1"/>
+            <a:r>
+              <a:rPr lang="en-GB" sz="1800" dirty="0"/>
+              <a:t>Read the Rubric</a:t>
+            </a:r>
+          </a:p>
+          <a:p>
+            <a:pPr lvl="1"/>
+            <a:endParaRPr lang="en-GB" sz="1800" dirty="0"/>
+          </a:p>
+          <a:p>
+            <a:pPr lvl="1"/>
+            <a:endParaRPr lang="en-GB" dirty="0"/>
+          </a:p>
+        </p:txBody>
+      </p:sp>
+    </p:spTree>
+    <p:extLst>
+      <p:ext uri="{BB962C8B-B14F-4D97-AF65-F5344CB8AC3E}">
+        <p14:creationId xmlns:p14="http://schemas.microsoft.com/office/powerpoint/2010/main" val="1626876069"/>
+      </p:ext>
+    </p:extLst>
+  </p:cSld>
+  <p:clrMapOvr>
+    <a:masterClrMapping/>
+  </p:clrMapOvr>
+</p:sld>
+</file>
+
+<file path=ppt/slides/slide5.xml><?xml version="1.0" encoding="utf-8"?>
+<p:sld xmlns:a="http://schemas.openxmlformats.org/drawingml/2006/main" xmlns:r="http://schemas.openxmlformats.org/officeDocument/2006/relationships" xmlns:p="http://schemas.openxmlformats.org/presentationml/2006/main">
+  <p:cSld>
+    <p:spTree>
+      <p:nvGrpSpPr>
+        <p:cNvPr id="1" name=""/>
+        <p:cNvGrpSpPr/>
+        <p:nvPr/>
+      </p:nvGrpSpPr>
+      <p:grpSpPr>
+        <a:xfrm>
+          <a:off x="0" y="0"/>
+          <a:ext cx="0" cy="0"/>
+          <a:chOff x="0" y="0"/>
+          <a:chExt cx="0" cy="0"/>
+        </a:xfrm>
+      </p:grpSpPr>
+      <p:sp>
+        <p:nvSpPr>
+          <p:cNvPr id="3" name="Content Placeholder 2"/>
+          <p:cNvSpPr>
+            <a:spLocks noGrp="1"/>
+          </p:cNvSpPr>
+          <p:nvPr>
+            <p:ph idx="1"/>
+          </p:nvPr>
+        </p:nvSpPr>
+        <p:spPr>
+          <a:xfrm>
+            <a:off x="457200" y="548680"/>
+            <a:ext cx="8229600" cy="6192688"/>
+          </a:xfrm>
+        </p:spPr>
+        <p:txBody>
+          <a:bodyPr>
+            <a:normAutofit/>
+          </a:bodyPr>
+          <a:lstStyle/>
+          <a:p>
+            <a:r>
+              <a:rPr lang="en-GB" dirty="0"/>
+              <a:t>Develop your analytical skills</a:t>
+            </a:r>
+          </a:p>
+          <a:p>
+            <a:pPr lvl="1"/>
+            <a:r>
+              <a:rPr lang="en-GB" dirty="0"/>
+              <a:t>Pair up (1xBSc &amp; 1xBA)</a:t>
+            </a:r>
+          </a:p>
+          <a:p>
+            <a:pPr lvl="1"/>
+            <a:r>
+              <a:rPr lang="en-GB" dirty="0"/>
+              <a:t>Take the first few articles in the repo (so you have one each)</a:t>
+            </a:r>
+          </a:p>
+          <a:p>
+            <a:pPr lvl="2"/>
+            <a:r>
+              <a:rPr lang="en-GB" dirty="0"/>
+              <a:t>Do 5Ws&amp;H and 3A assessments of them</a:t>
+            </a:r>
+          </a:p>
+          <a:p>
+            <a:pPr lvl="1"/>
+            <a:r>
+              <a:rPr lang="en-GB" dirty="0"/>
+              <a:t>Put results into a 2 page presentation</a:t>
+            </a:r>
+          </a:p>
+          <a:p>
+            <a:pPr lvl="2"/>
+            <a:r>
+              <a:rPr lang="en-GB" dirty="0"/>
+              <a:t>Page 1: 5Ws&amp;H</a:t>
+            </a:r>
+          </a:p>
+          <a:p>
+            <a:pPr lvl="2"/>
+            <a:r>
+              <a:rPr lang="en-GB" dirty="0"/>
+              <a:t>Page 2: 3As</a:t>
+            </a:r>
+          </a:p>
+          <a:p>
+            <a:pPr lvl="1"/>
+            <a:r>
+              <a:rPr lang="en-GB" dirty="0"/>
+              <a:t>Write up the results into the security wiki</a:t>
+            </a:r>
+          </a:p>
+          <a:p>
+            <a:pPr lvl="1"/>
+            <a:endParaRPr lang="en-GB" dirty="0"/>
+          </a:p>
+        </p:txBody>
+      </p:sp>
+    </p:spTree>
+    <p:extLst>
+      <p:ext uri="{BB962C8B-B14F-4D97-AF65-F5344CB8AC3E}">
+        <p14:creationId xmlns:p14="http://schemas.microsoft.com/office/powerpoint/2010/main" val="321657071"/>
+      </p:ext>
+    </p:extLst>
+  </p:cSld>
+  <p:clrMapOvr>
+    <a:masterClrMapping/>
+  </p:clrMapOvr>
+</p:sld>
+</file>
+
 <file path=ppt/slides/slide6.xml><?xml version="1.0" encoding="utf-8"?>
 <p:sld xmlns:a="http://schemas.openxmlformats.org/drawingml/2006/main" xmlns:r="http://schemas.openxmlformats.org/officeDocument/2006/relationships" xmlns:p="http://schemas.openxmlformats.org/presentationml/2006/main">
   <p:cSld>
@@ -5344,249 +5415,6 @@
           <a:p>
             <a:r>
               <a:rPr lang="en-GB" dirty="0"/>
-              <a:t>Review the assignment</a:t>
-            </a:r>
-          </a:p>
-          <a:p>
-            <a:pPr lvl="1"/>
-            <a:r>
-              <a:rPr lang="en-GB" sz="1800" dirty="0">
-                <a:hlinkClick r:id="rId2"/>
-              </a:rPr>
-              <a:t>https://github.com/Falmouth-Games-Academy/bsc-assignment-briefs/raw/2019-20/comp280/2/2019-20-comp280-assignment-2-brief.pdf</a:t>
-            </a:r>
-            <a:endParaRPr lang="en-GB" sz="1800" dirty="0"/>
-          </a:p>
-          <a:p>
-            <a:pPr lvl="1"/>
-            <a:endParaRPr lang="en-GB" sz="1800" dirty="0"/>
-          </a:p>
-          <a:p>
-            <a:pPr lvl="1"/>
-            <a:r>
-              <a:rPr lang="en-GB" sz="1800" dirty="0"/>
-              <a:t>Create a repository of cybersecurity knowledge</a:t>
-            </a:r>
-          </a:p>
-          <a:p>
-            <a:pPr lvl="1"/>
-            <a:endParaRPr lang="en-GB" sz="1800" dirty="0"/>
-          </a:p>
-          <a:p>
-            <a:pPr lvl="1"/>
-            <a:r>
-              <a:rPr lang="en-GB" sz="1800" dirty="0"/>
-              <a:t>Write a report on XYZ Online Games</a:t>
-            </a:r>
-          </a:p>
-          <a:p>
-            <a:pPr lvl="2"/>
-            <a:r>
-              <a:rPr lang="en-GB" sz="1400" dirty="0"/>
-              <a:t>Potential Cybersecurity issues for the firm</a:t>
-            </a:r>
-          </a:p>
-          <a:p>
-            <a:pPr lvl="2"/>
-            <a:r>
-              <a:rPr lang="en-GB" sz="1400" dirty="0"/>
-              <a:t>How Controls and Control Strategies can mitigate cyber issues</a:t>
-            </a:r>
-          </a:p>
-          <a:p>
-            <a:pPr lvl="2"/>
-            <a:r>
-              <a:rPr lang="en-GB" sz="1400" dirty="0"/>
-              <a:t>Outline potential major GDPR issues for the organisation with regards to its current data management and security processes</a:t>
-            </a:r>
-          </a:p>
-          <a:p>
-            <a:pPr lvl="2"/>
-            <a:r>
-              <a:rPr lang="en-GB" sz="1400" dirty="0"/>
-              <a:t>Compare and contrast traditional encryption with modern AES cryptography</a:t>
-            </a:r>
-          </a:p>
-          <a:p>
-            <a:pPr lvl="2"/>
-            <a:endParaRPr lang="en-GB" sz="1400" dirty="0"/>
-          </a:p>
-          <a:p>
-            <a:pPr lvl="1"/>
-            <a:r>
-              <a:rPr lang="en-GB" sz="1800" dirty="0"/>
-              <a:t>Read at the Rubric</a:t>
-            </a:r>
-          </a:p>
-          <a:p>
-            <a:pPr lvl="1"/>
-            <a:endParaRPr lang="en-GB" sz="1800" dirty="0"/>
-          </a:p>
-          <a:p>
-            <a:pPr lvl="1"/>
-            <a:endParaRPr lang="en-GB" dirty="0"/>
-          </a:p>
-        </p:txBody>
-      </p:sp>
-    </p:spTree>
-    <p:extLst>
-      <p:ext uri="{BB962C8B-B14F-4D97-AF65-F5344CB8AC3E}">
-        <p14:creationId xmlns:p14="http://schemas.microsoft.com/office/powerpoint/2010/main" val="1626876069"/>
-      </p:ext>
-    </p:extLst>
-  </p:cSld>
-  <p:clrMapOvr>
-    <a:masterClrMapping/>
-  </p:clrMapOvr>
-</p:sld>
-</file>
-
-<file path=ppt/slides/slide7.xml><?xml version="1.0" encoding="utf-8"?>
-<p:sld xmlns:a="http://schemas.openxmlformats.org/drawingml/2006/main" xmlns:r="http://schemas.openxmlformats.org/officeDocument/2006/relationships" xmlns:p="http://schemas.openxmlformats.org/presentationml/2006/main">
-  <p:cSld>
-    <p:spTree>
-      <p:nvGrpSpPr>
-        <p:cNvPr id="1" name=""/>
-        <p:cNvGrpSpPr/>
-        <p:nvPr/>
-      </p:nvGrpSpPr>
-      <p:grpSpPr>
-        <a:xfrm>
-          <a:off x="0" y="0"/>
-          <a:ext cx="0" cy="0"/>
-          <a:chOff x="0" y="0"/>
-          <a:chExt cx="0" cy="0"/>
-        </a:xfrm>
-      </p:grpSpPr>
-      <p:sp>
-        <p:nvSpPr>
-          <p:cNvPr id="3" name="Content Placeholder 2"/>
-          <p:cNvSpPr>
-            <a:spLocks noGrp="1"/>
-          </p:cNvSpPr>
-          <p:nvPr>
-            <p:ph idx="1"/>
-          </p:nvPr>
-        </p:nvSpPr>
-        <p:spPr>
-          <a:xfrm>
-            <a:off x="457200" y="548680"/>
-            <a:ext cx="8229600" cy="6192688"/>
-          </a:xfrm>
-        </p:spPr>
-        <p:txBody>
-          <a:bodyPr>
-            <a:normAutofit/>
-          </a:bodyPr>
-          <a:lstStyle/>
-          <a:p>
-            <a:r>
-              <a:rPr lang="en-GB" dirty="0"/>
-              <a:t>Develop your analytical skills</a:t>
-            </a:r>
-          </a:p>
-          <a:p>
-            <a:pPr lvl="1"/>
-            <a:r>
-              <a:rPr lang="en-GB" dirty="0"/>
-              <a:t>Pair up (1xBSc &amp; 1xBA)</a:t>
-            </a:r>
-          </a:p>
-          <a:p>
-            <a:pPr lvl="1"/>
-            <a:r>
-              <a:rPr lang="en-GB" dirty="0"/>
-              <a:t>Take the first 10 articles in the repo</a:t>
-            </a:r>
-          </a:p>
-          <a:p>
-            <a:pPr lvl="2"/>
-            <a:r>
-              <a:rPr lang="en-GB" dirty="0"/>
-              <a:t>Do 5Ws&amp;H and 3A assessments of them</a:t>
-            </a:r>
-          </a:p>
-          <a:p>
-            <a:pPr lvl="1"/>
-            <a:r>
-              <a:rPr lang="en-GB" dirty="0"/>
-              <a:t>Put results into a 2 page presentation</a:t>
-            </a:r>
-          </a:p>
-          <a:p>
-            <a:pPr lvl="2"/>
-            <a:r>
-              <a:rPr lang="en-GB" dirty="0"/>
-              <a:t>Page 1: 5Ws&amp;H</a:t>
-            </a:r>
-          </a:p>
-          <a:p>
-            <a:pPr lvl="2"/>
-            <a:r>
-              <a:rPr lang="en-GB" dirty="0"/>
-              <a:t>Page 2: 3As</a:t>
-            </a:r>
-          </a:p>
-          <a:p>
-            <a:pPr lvl="1"/>
-            <a:endParaRPr lang="en-GB" dirty="0"/>
-          </a:p>
-        </p:txBody>
-      </p:sp>
-    </p:spTree>
-    <p:extLst>
-      <p:ext uri="{BB962C8B-B14F-4D97-AF65-F5344CB8AC3E}">
-        <p14:creationId xmlns:p14="http://schemas.microsoft.com/office/powerpoint/2010/main" val="321657071"/>
-      </p:ext>
-    </p:extLst>
-  </p:cSld>
-  <p:clrMapOvr>
-    <a:masterClrMapping/>
-  </p:clrMapOvr>
-</p:sld>
-</file>
-
-<file path=ppt/slides/slide8.xml><?xml version="1.0" encoding="utf-8"?>
-<p:sld xmlns:a="http://schemas.openxmlformats.org/drawingml/2006/main" xmlns:r="http://schemas.openxmlformats.org/officeDocument/2006/relationships" xmlns:p="http://schemas.openxmlformats.org/presentationml/2006/main">
-  <p:cSld>
-    <p:spTree>
-      <p:nvGrpSpPr>
-        <p:cNvPr id="1" name=""/>
-        <p:cNvGrpSpPr/>
-        <p:nvPr/>
-      </p:nvGrpSpPr>
-      <p:grpSpPr>
-        <a:xfrm>
-          <a:off x="0" y="0"/>
-          <a:ext cx="0" cy="0"/>
-          <a:chOff x="0" y="0"/>
-          <a:chExt cx="0" cy="0"/>
-        </a:xfrm>
-      </p:grpSpPr>
-      <p:sp>
-        <p:nvSpPr>
-          <p:cNvPr id="3" name="Content Placeholder 2"/>
-          <p:cNvSpPr>
-            <a:spLocks noGrp="1"/>
-          </p:cNvSpPr>
-          <p:nvPr>
-            <p:ph idx="1"/>
-          </p:nvPr>
-        </p:nvSpPr>
-        <p:spPr>
-          <a:xfrm>
-            <a:off x="457200" y="548680"/>
-            <a:ext cx="8229600" cy="6192688"/>
-          </a:xfrm>
-        </p:spPr>
-        <p:txBody>
-          <a:bodyPr>
-            <a:normAutofit/>
-          </a:bodyPr>
-          <a:lstStyle/>
-          <a:p>
-            <a:r>
-              <a:rPr lang="en-GB" dirty="0"/>
               <a:t>Present findings</a:t>
             </a:r>
           </a:p>
@@ -5620,7 +5448,7 @@
 </p:sld>
 </file>
 
-<file path=ppt/slides/slide9.xml><?xml version="1.0" encoding="utf-8"?>
+<file path=ppt/slides/slide7.xml><?xml version="1.0" encoding="utf-8"?>
 <p:sld xmlns:a="http://schemas.openxmlformats.org/drawingml/2006/main" xmlns:r="http://schemas.openxmlformats.org/officeDocument/2006/relationships" xmlns:p="http://schemas.openxmlformats.org/presentationml/2006/main">
   <p:cSld>
     <p:spTree>
